--- a/SimpleITK.pptx
+++ b/SimpleITK.pptx
@@ -7,10 +7,11 @@
   <p:sldIdLst>
     <p:sldId id="256" r:id="rId2"/>
     <p:sldId id="257" r:id="rId3"/>
-    <p:sldId id="258" r:id="rId4"/>
-    <p:sldId id="260" r:id="rId5"/>
-    <p:sldId id="259" r:id="rId6"/>
-    <p:sldId id="261" r:id="rId7"/>
+    <p:sldId id="262" r:id="rId4"/>
+    <p:sldId id="258" r:id="rId5"/>
+    <p:sldId id="260" r:id="rId6"/>
+    <p:sldId id="259" r:id="rId7"/>
+    <p:sldId id="261" r:id="rId8"/>
   </p:sldIdLst>
   <p:sldSz cx="9144000" cy="6858000" type="screen4x3"/>
   <p:notesSz cx="6858000" cy="9144000"/>
@@ -109,6 +110,11 @@
       </a:defRPr>
     </a:lvl9pPr>
   </p:defaultTextStyle>
+  <p:extLst>
+    <p:ext uri="{EFAFB233-063F-42B5-8137-9DF3F51BA10A}">
+      <p15:sldGuideLst xmlns:p15="http://schemas.microsoft.com/office/powerpoint/2012/main"/>
+    </p:ext>
+  </p:extLst>
 </p:presentation>
 </file>
 
@@ -3336,7 +3342,7 @@
                   <a:schemeClr val="bg1"/>
                 </a:solidFill>
               </a:rPr>
-              <a:t>Watershed</a:t>
+              <a:t>Region Growing</a:t>
             </a:r>
           </a:p>
         </p:txBody>
@@ -3374,7 +3380,7 @@
       </p:cxnSp>
       <p:sp>
         <p:nvSpPr>
-          <p:cNvPr id="4" name="Title 1"/>
+          <p:cNvPr id="7" name="Title 1"/>
           <p:cNvSpPr txBox="1">
             <a:spLocks/>
           </p:cNvSpPr>
@@ -3420,7 +3426,7 @@
                   <a:schemeClr val="bg1"/>
                 </a:solidFill>
               </a:rPr>
-              <a:t>sitk.IsolatedWatershed</a:t>
+              <a:t>sitk.ConfidenceConnected</a:t>
             </a:r>
             <a:r>
               <a:rPr lang="en-GB" sz="2800" b="1" dirty="0">
@@ -3429,6 +3435,165 @@
                 </a:solidFill>
               </a:rPr>
               <a:t>()</a:t>
+            </a:r>
+          </a:p>
+        </p:txBody>
+      </p:sp>
+      <p:sp>
+        <p:nvSpPr>
+          <p:cNvPr id="6" name="Title 1"/>
+          <p:cNvSpPr txBox="1">
+            <a:spLocks/>
+          </p:cNvSpPr>
+          <p:nvPr/>
+        </p:nvSpPr>
+        <p:spPr>
+          <a:xfrm>
+            <a:off x="654443" y="5986757"/>
+            <a:ext cx="7772400" cy="647363"/>
+          </a:xfrm>
+          <a:prstGeom prst="rect">
+            <a:avLst/>
+          </a:prstGeom>
+        </p:spPr>
+        <p:txBody>
+          <a:bodyPr vert="horz" lIns="91440" tIns="45720" rIns="91440" bIns="45720" rtlCol="0" anchor="b">
+            <a:noAutofit/>
+          </a:bodyPr>
+          <a:lstStyle>
+            <a:lvl1pPr algn="ctr" defTabSz="914400" rtl="0" eaLnBrk="1" latinLnBrk="0" hangingPunct="1">
+              <a:lnSpc>
+                <a:spcPct val="90000"/>
+              </a:lnSpc>
+              <a:spcBef>
+                <a:spcPct val="0"/>
+              </a:spcBef>
+              <a:buNone/>
+              <a:defRPr sz="6000" kern="1200">
+                <a:solidFill>
+                  <a:schemeClr val="tx1"/>
+                </a:solidFill>
+                <a:latin typeface="+mj-lt"/>
+                <a:ea typeface="+mj-ea"/>
+                <a:cs typeface="+mj-cs"/>
+              </a:defRPr>
+            </a:lvl1pPr>
+          </a:lstStyle>
+          <a:p>
+            <a:pPr algn="l"/>
+            <a:r>
+              <a:rPr lang="en-GB" sz="2800" b="1" dirty="0">
+                <a:solidFill>
+                  <a:schemeClr val="bg1"/>
+                </a:solidFill>
+              </a:rPr>
+              <a:t>DSC = 0.08</a:t>
+            </a:r>
+          </a:p>
+        </p:txBody>
+      </p:sp>
+      <p:sp>
+        <p:nvSpPr>
+          <p:cNvPr id="8" name="Title 1"/>
+          <p:cNvSpPr txBox="1">
+            <a:spLocks/>
+          </p:cNvSpPr>
+          <p:nvPr/>
+        </p:nvSpPr>
+        <p:spPr>
+          <a:xfrm>
+            <a:off x="2326412" y="5332651"/>
+            <a:ext cx="1301357" cy="401754"/>
+          </a:xfrm>
+          <a:prstGeom prst="rect">
+            <a:avLst/>
+          </a:prstGeom>
+        </p:spPr>
+        <p:txBody>
+          <a:bodyPr vert="horz" lIns="91440" tIns="45720" rIns="91440" bIns="45720" rtlCol="0" anchor="b">
+            <a:noAutofit/>
+          </a:bodyPr>
+          <a:lstStyle>
+            <a:lvl1pPr algn="ctr" defTabSz="914400" rtl="0" eaLnBrk="1" latinLnBrk="0" hangingPunct="1">
+              <a:lnSpc>
+                <a:spcPct val="90000"/>
+              </a:lnSpc>
+              <a:spcBef>
+                <a:spcPct val="0"/>
+              </a:spcBef>
+              <a:buNone/>
+              <a:defRPr sz="6000" kern="1200">
+                <a:solidFill>
+                  <a:schemeClr val="tx1"/>
+                </a:solidFill>
+                <a:latin typeface="+mj-lt"/>
+                <a:ea typeface="+mj-ea"/>
+                <a:cs typeface="+mj-cs"/>
+              </a:defRPr>
+            </a:lvl1pPr>
+          </a:lstStyle>
+          <a:p>
+            <a:pPr algn="l"/>
+            <a:r>
+              <a:rPr lang="en-GB" sz="2000" b="1" dirty="0">
+                <a:solidFill>
+                  <a:schemeClr val="bg1"/>
+                </a:solidFill>
+              </a:rPr>
+              <a:t>Slice 125</a:t>
+            </a:r>
+          </a:p>
+        </p:txBody>
+      </p:sp>
+      <p:sp>
+        <p:nvSpPr>
+          <p:cNvPr id="9" name="Title 1"/>
+          <p:cNvSpPr txBox="1">
+            <a:spLocks/>
+          </p:cNvSpPr>
+          <p:nvPr/>
+        </p:nvSpPr>
+        <p:spPr>
+          <a:xfrm>
+            <a:off x="5335254" y="5332651"/>
+            <a:ext cx="1301357" cy="401754"/>
+          </a:xfrm>
+          <a:prstGeom prst="rect">
+            <a:avLst/>
+          </a:prstGeom>
+        </p:spPr>
+        <p:txBody>
+          <a:bodyPr vert="horz" lIns="91440" tIns="45720" rIns="91440" bIns="45720" rtlCol="0" anchor="b">
+            <a:noAutofit/>
+          </a:bodyPr>
+          <a:lstStyle>
+            <a:lvl1pPr algn="ctr" defTabSz="914400" rtl="0" eaLnBrk="1" latinLnBrk="0" hangingPunct="1">
+              <a:lnSpc>
+                <a:spcPct val="90000"/>
+              </a:lnSpc>
+              <a:spcBef>
+                <a:spcPct val="0"/>
+              </a:spcBef>
+              <a:buNone/>
+              <a:defRPr sz="6000" kern="1200">
+                <a:solidFill>
+                  <a:schemeClr val="tx1"/>
+                </a:solidFill>
+                <a:latin typeface="+mj-lt"/>
+                <a:ea typeface="+mj-ea"/>
+                <a:cs typeface="+mj-cs"/>
+              </a:defRPr>
+            </a:lvl1pPr>
+          </a:lstStyle>
+          <a:p>
+            <a:pPr algn="l"/>
+            <a:r>
+              <a:rPr lang="en-GB" sz="2000" b="1" dirty="0">
+                <a:solidFill>
+                  <a:schemeClr val="bg1"/>
+                </a:solidFill>
+              </a:rPr>
+              <a:t>Slice 150</a:t>
             </a:r>
           </a:p>
         </p:txBody>
@@ -3441,15 +3606,16 @@
           </p:cNvPicPr>
           <p:nvPr/>
         </p:nvPicPr>
-        <p:blipFill rotWithShape="1">
+        <p:blipFill>
           <a:blip r:embed="rId2"/>
-          <a:srcRect l="524" t="387"/>
-          <a:stretch/>
+          <a:stretch>
+            <a:fillRect/>
+          </a:stretch>
         </p:blipFill>
         <p:spPr>
           <a:xfrm>
-            <a:off x="1972732" y="1697423"/>
-            <a:ext cx="2008717" cy="3681413"/>
+            <a:off x="1962677" y="1569855"/>
+            <a:ext cx="2028825" cy="3638550"/>
           </a:xfrm>
           <a:prstGeom prst="rect">
             <a:avLst/>
@@ -3458,7 +3624,7 @@
       </p:pic>
       <p:pic>
         <p:nvPicPr>
-          <p:cNvPr id="7" name="Picture 6"/>
+          <p:cNvPr id="4" name="Picture 3"/>
           <p:cNvPicPr>
             <a:picLocks noChangeAspect="1"/>
           </p:cNvPicPr>
@@ -3472,138 +3638,8 @@
         </p:blipFill>
         <p:spPr>
           <a:xfrm>
-            <a:off x="4981045" y="1697424"/>
-            <a:ext cx="2009775" cy="3667125"/>
-          </a:xfrm>
-          <a:prstGeom prst="rect">
-            <a:avLst/>
-          </a:prstGeom>
-        </p:spPr>
-      </p:pic>
-      <p:sp>
-        <p:nvSpPr>
-          <p:cNvPr id="9" name="Title 1"/>
-          <p:cNvSpPr txBox="1">
-            <a:spLocks/>
-          </p:cNvSpPr>
-          <p:nvPr/>
-        </p:nvSpPr>
-        <p:spPr>
-          <a:xfrm>
-            <a:off x="2326412" y="5332651"/>
-            <a:ext cx="1301357" cy="401754"/>
-          </a:xfrm>
-          <a:prstGeom prst="rect">
-            <a:avLst/>
-          </a:prstGeom>
-        </p:spPr>
-        <p:txBody>
-          <a:bodyPr vert="horz" lIns="91440" tIns="45720" rIns="91440" bIns="45720" rtlCol="0" anchor="b">
-            <a:noAutofit/>
-          </a:bodyPr>
-          <a:lstStyle>
-            <a:lvl1pPr algn="ctr" defTabSz="914400" rtl="0" eaLnBrk="1" latinLnBrk="0" hangingPunct="1">
-              <a:lnSpc>
-                <a:spcPct val="90000"/>
-              </a:lnSpc>
-              <a:spcBef>
-                <a:spcPct val="0"/>
-              </a:spcBef>
-              <a:buNone/>
-              <a:defRPr sz="6000" kern="1200">
-                <a:solidFill>
-                  <a:schemeClr val="tx1"/>
-                </a:solidFill>
-                <a:latin typeface="+mj-lt"/>
-                <a:ea typeface="+mj-ea"/>
-                <a:cs typeface="+mj-cs"/>
-              </a:defRPr>
-            </a:lvl1pPr>
-          </a:lstStyle>
-          <a:p>
-            <a:pPr algn="l"/>
-            <a:r>
-              <a:rPr lang="en-GB" sz="2000" b="1" dirty="0">
-                <a:solidFill>
-                  <a:schemeClr val="bg1"/>
-                </a:solidFill>
-              </a:rPr>
-              <a:t>Slice 125</a:t>
-            </a:r>
-          </a:p>
-        </p:txBody>
-      </p:sp>
-      <p:sp>
-        <p:nvSpPr>
-          <p:cNvPr id="10" name="Title 1"/>
-          <p:cNvSpPr txBox="1">
-            <a:spLocks/>
-          </p:cNvSpPr>
-          <p:nvPr/>
-        </p:nvSpPr>
-        <p:spPr>
-          <a:xfrm>
-            <a:off x="5335254" y="5332651"/>
-            <a:ext cx="1301357" cy="401754"/>
-          </a:xfrm>
-          <a:prstGeom prst="rect">
-            <a:avLst/>
-          </a:prstGeom>
-        </p:spPr>
-        <p:txBody>
-          <a:bodyPr vert="horz" lIns="91440" tIns="45720" rIns="91440" bIns="45720" rtlCol="0" anchor="b">
-            <a:noAutofit/>
-          </a:bodyPr>
-          <a:lstStyle>
-            <a:lvl1pPr algn="ctr" defTabSz="914400" rtl="0" eaLnBrk="1" latinLnBrk="0" hangingPunct="1">
-              <a:lnSpc>
-                <a:spcPct val="90000"/>
-              </a:lnSpc>
-              <a:spcBef>
-                <a:spcPct val="0"/>
-              </a:spcBef>
-              <a:buNone/>
-              <a:defRPr sz="6000" kern="1200">
-                <a:solidFill>
-                  <a:schemeClr val="tx1"/>
-                </a:solidFill>
-                <a:latin typeface="+mj-lt"/>
-                <a:ea typeface="+mj-ea"/>
-                <a:cs typeface="+mj-cs"/>
-              </a:defRPr>
-            </a:lvl1pPr>
-          </a:lstStyle>
-          <a:p>
-            <a:pPr algn="l"/>
-            <a:r>
-              <a:rPr lang="en-GB" sz="2000" b="1" dirty="0">
-                <a:solidFill>
-                  <a:schemeClr val="bg1"/>
-                </a:solidFill>
-              </a:rPr>
-              <a:t>Slice 150</a:t>
-            </a:r>
-          </a:p>
-        </p:txBody>
-      </p:sp>
-      <p:pic>
-        <p:nvPicPr>
-          <p:cNvPr id="12" name="Picture 11"/>
-          <p:cNvPicPr>
-            <a:picLocks noChangeAspect="1"/>
-          </p:cNvPicPr>
-          <p:nvPr/>
-        </p:nvPicPr>
-        <p:blipFill>
-          <a:blip r:embed="rId4"/>
-          <a:stretch>
-            <a:fillRect/>
-          </a:stretch>
-        </p:blipFill>
-        <p:spPr>
-          <a:xfrm>
-            <a:off x="1972732" y="1569855"/>
-            <a:ext cx="5116181" cy="4251803"/>
+            <a:off x="4876503" y="1522230"/>
+            <a:ext cx="1962150" cy="3686175"/>
           </a:xfrm>
           <a:prstGeom prst="rect">
             <a:avLst/>
@@ -3613,7 +3649,7 @@
     </p:spTree>
     <p:extLst>
       <p:ext uri="{BB962C8B-B14F-4D97-AF65-F5344CB8AC3E}">
-        <p14:creationId xmlns:p14="http://schemas.microsoft.com/office/powerpoint/2010/main" val="85296145"/>
+        <p14:creationId xmlns:p14="http://schemas.microsoft.com/office/powerpoint/2010/main" val="1662456770"/>
       </p:ext>
     </p:extLst>
   </p:cSld>
@@ -3823,7 +3859,7 @@
       </p:pic>
       <p:sp>
         <p:nvSpPr>
-          <p:cNvPr id="8" name="Title 1"/>
+          <p:cNvPr id="9" name="Title 1"/>
           <p:cNvSpPr txBox="1">
             <a:spLocks/>
           </p:cNvSpPr>
@@ -3831,8 +3867,8 @@
         </p:nvSpPr>
         <p:spPr>
           <a:xfrm>
-            <a:off x="654443" y="5986757"/>
-            <a:ext cx="7772400" cy="647363"/>
+            <a:off x="2326412" y="5332651"/>
+            <a:ext cx="1301357" cy="401754"/>
           </a:xfrm>
           <a:prstGeom prst="rect">
             <a:avLst/>
@@ -3864,19 +3900,19 @@
           <a:p>
             <a:pPr algn="l"/>
             <a:r>
-              <a:rPr lang="en-GB" sz="2800" b="1" dirty="0">
+              <a:rPr lang="en-GB" sz="2000" b="1" dirty="0">
                 <a:solidFill>
                   <a:schemeClr val="bg1"/>
                 </a:solidFill>
               </a:rPr>
-              <a:t>DSC = 0.389</a:t>
-            </a:r>
-          </a:p>
-        </p:txBody>
-      </p:sp>
-      <p:sp>
-        <p:nvSpPr>
-          <p:cNvPr id="9" name="Title 1"/>
+              <a:t>Slice 125</a:t>
+            </a:r>
+          </a:p>
+        </p:txBody>
+      </p:sp>
+      <p:sp>
+        <p:nvSpPr>
+          <p:cNvPr id="10" name="Title 1"/>
           <p:cNvSpPr txBox="1">
             <a:spLocks/>
           </p:cNvSpPr>
@@ -3884,7 +3920,7 @@
         </p:nvSpPr>
         <p:spPr>
           <a:xfrm>
-            <a:off x="2326412" y="5332651"/>
+            <a:off x="5335254" y="5332651"/>
             <a:ext cx="1301357" cy="401754"/>
           </a:xfrm>
           <a:prstGeom prst="rect">
@@ -3922,68 +3958,39 @@
                   <a:schemeClr val="bg1"/>
                 </a:solidFill>
               </a:rPr>
-              <a:t>Slice 125</a:t>
-            </a:r>
-          </a:p>
-        </p:txBody>
-      </p:sp>
-      <p:sp>
-        <p:nvSpPr>
-          <p:cNvPr id="10" name="Title 1"/>
-          <p:cNvSpPr txBox="1">
-            <a:spLocks/>
-          </p:cNvSpPr>
+              <a:t>Slice 150</a:t>
+            </a:r>
+          </a:p>
+        </p:txBody>
+      </p:sp>
+      <p:pic>
+        <p:nvPicPr>
+          <p:cNvPr id="12" name="Picture 11"/>
+          <p:cNvPicPr>
+            <a:picLocks noChangeAspect="1"/>
+          </p:cNvPicPr>
           <p:nvPr/>
-        </p:nvSpPr>
-        <p:spPr>
-          <a:xfrm>
-            <a:off x="5335254" y="5332651"/>
-            <a:ext cx="1301357" cy="401754"/>
+        </p:nvPicPr>
+        <p:blipFill>
+          <a:blip r:embed="rId4"/>
+          <a:stretch>
+            <a:fillRect/>
+          </a:stretch>
+        </p:blipFill>
+        <p:spPr>
+          <a:xfrm>
+            <a:off x="1972732" y="1569855"/>
+            <a:ext cx="5116181" cy="4251803"/>
           </a:xfrm>
           <a:prstGeom prst="rect">
             <a:avLst/>
           </a:prstGeom>
         </p:spPr>
-        <p:txBody>
-          <a:bodyPr vert="horz" lIns="91440" tIns="45720" rIns="91440" bIns="45720" rtlCol="0" anchor="b">
-            <a:noAutofit/>
-          </a:bodyPr>
-          <a:lstStyle>
-            <a:lvl1pPr algn="ctr" defTabSz="914400" rtl="0" eaLnBrk="1" latinLnBrk="0" hangingPunct="1">
-              <a:lnSpc>
-                <a:spcPct val="90000"/>
-              </a:lnSpc>
-              <a:spcBef>
-                <a:spcPct val="0"/>
-              </a:spcBef>
-              <a:buNone/>
-              <a:defRPr sz="6000" kern="1200">
-                <a:solidFill>
-                  <a:schemeClr val="tx1"/>
-                </a:solidFill>
-                <a:latin typeface="+mj-lt"/>
-                <a:ea typeface="+mj-ea"/>
-                <a:cs typeface="+mj-cs"/>
-              </a:defRPr>
-            </a:lvl1pPr>
-          </a:lstStyle>
-          <a:p>
-            <a:pPr algn="l"/>
-            <a:r>
-              <a:rPr lang="en-GB" sz="2000" b="1" dirty="0">
-                <a:solidFill>
-                  <a:schemeClr val="bg1"/>
-                </a:solidFill>
-              </a:rPr>
-              <a:t>Slice 150</a:t>
-            </a:r>
-          </a:p>
-        </p:txBody>
-      </p:sp>
+      </p:pic>
     </p:spTree>
     <p:extLst>
       <p:ext uri="{BB962C8B-B14F-4D97-AF65-F5344CB8AC3E}">
-        <p14:creationId xmlns:p14="http://schemas.microsoft.com/office/powerpoint/2010/main" val="131999826"/>
+        <p14:creationId xmlns:p14="http://schemas.microsoft.com/office/powerpoint/2010/main" val="85296145"/>
       </p:ext>
     </p:extLst>
   </p:cSld>
@@ -4047,7 +4054,7 @@
                   <a:schemeClr val="bg1"/>
                 </a:solidFill>
               </a:rPr>
-              <a:t>Level Sets</a:t>
+              <a:t>Watershed</a:t>
             </a:r>
           </a:p>
         </p:txBody>
@@ -4085,6 +4092,376 @@
       </p:cxnSp>
       <p:sp>
         <p:nvSpPr>
+          <p:cNvPr id="4" name="Title 1"/>
+          <p:cNvSpPr txBox="1">
+            <a:spLocks/>
+          </p:cNvSpPr>
+          <p:nvPr/>
+        </p:nvSpPr>
+        <p:spPr>
+          <a:xfrm>
+            <a:off x="685800" y="922492"/>
+            <a:ext cx="7772400" cy="647363"/>
+          </a:xfrm>
+          <a:prstGeom prst="rect">
+            <a:avLst/>
+          </a:prstGeom>
+        </p:spPr>
+        <p:txBody>
+          <a:bodyPr vert="horz" lIns="91440" tIns="45720" rIns="91440" bIns="45720" rtlCol="0" anchor="b">
+            <a:noAutofit/>
+          </a:bodyPr>
+          <a:lstStyle>
+            <a:lvl1pPr algn="ctr" defTabSz="914400" rtl="0" eaLnBrk="1" latinLnBrk="0" hangingPunct="1">
+              <a:lnSpc>
+                <a:spcPct val="90000"/>
+              </a:lnSpc>
+              <a:spcBef>
+                <a:spcPct val="0"/>
+              </a:spcBef>
+              <a:buNone/>
+              <a:defRPr sz="6000" kern="1200">
+                <a:solidFill>
+                  <a:schemeClr val="tx1"/>
+                </a:solidFill>
+                <a:latin typeface="+mj-lt"/>
+                <a:ea typeface="+mj-ea"/>
+                <a:cs typeface="+mj-cs"/>
+              </a:defRPr>
+            </a:lvl1pPr>
+          </a:lstStyle>
+          <a:p>
+            <a:pPr algn="l"/>
+            <a:r>
+              <a:rPr lang="en-GB" sz="2800" b="1" dirty="0" err="1">
+                <a:solidFill>
+                  <a:schemeClr val="bg1"/>
+                </a:solidFill>
+              </a:rPr>
+              <a:t>sitk.IsolatedWatershed</a:t>
+            </a:r>
+            <a:r>
+              <a:rPr lang="en-GB" sz="2800" b="1" dirty="0">
+                <a:solidFill>
+                  <a:schemeClr val="bg1"/>
+                </a:solidFill>
+              </a:rPr>
+              <a:t>()</a:t>
+            </a:r>
+          </a:p>
+        </p:txBody>
+      </p:sp>
+      <p:pic>
+        <p:nvPicPr>
+          <p:cNvPr id="3" name="Picture 2"/>
+          <p:cNvPicPr>
+            <a:picLocks noChangeAspect="1"/>
+          </p:cNvPicPr>
+          <p:nvPr/>
+        </p:nvPicPr>
+        <p:blipFill rotWithShape="1">
+          <a:blip r:embed="rId2"/>
+          <a:srcRect l="524" t="387"/>
+          <a:stretch/>
+        </p:blipFill>
+        <p:spPr>
+          <a:xfrm>
+            <a:off x="1972732" y="1697423"/>
+            <a:ext cx="2008717" cy="3681413"/>
+          </a:xfrm>
+          <a:prstGeom prst="rect">
+            <a:avLst/>
+          </a:prstGeom>
+        </p:spPr>
+      </p:pic>
+      <p:pic>
+        <p:nvPicPr>
+          <p:cNvPr id="7" name="Picture 6"/>
+          <p:cNvPicPr>
+            <a:picLocks noChangeAspect="1"/>
+          </p:cNvPicPr>
+          <p:nvPr/>
+        </p:nvPicPr>
+        <p:blipFill>
+          <a:blip r:embed="rId3"/>
+          <a:stretch>
+            <a:fillRect/>
+          </a:stretch>
+        </p:blipFill>
+        <p:spPr>
+          <a:xfrm>
+            <a:off x="4981045" y="1697424"/>
+            <a:ext cx="2009775" cy="3667125"/>
+          </a:xfrm>
+          <a:prstGeom prst="rect">
+            <a:avLst/>
+          </a:prstGeom>
+        </p:spPr>
+      </p:pic>
+      <p:sp>
+        <p:nvSpPr>
+          <p:cNvPr id="8" name="Title 1"/>
+          <p:cNvSpPr txBox="1">
+            <a:spLocks/>
+          </p:cNvSpPr>
+          <p:nvPr/>
+        </p:nvSpPr>
+        <p:spPr>
+          <a:xfrm>
+            <a:off x="654443" y="5986757"/>
+            <a:ext cx="7772400" cy="647363"/>
+          </a:xfrm>
+          <a:prstGeom prst="rect">
+            <a:avLst/>
+          </a:prstGeom>
+        </p:spPr>
+        <p:txBody>
+          <a:bodyPr vert="horz" lIns="91440" tIns="45720" rIns="91440" bIns="45720" rtlCol="0" anchor="b">
+            <a:noAutofit/>
+          </a:bodyPr>
+          <a:lstStyle>
+            <a:lvl1pPr algn="ctr" defTabSz="914400" rtl="0" eaLnBrk="1" latinLnBrk="0" hangingPunct="1">
+              <a:lnSpc>
+                <a:spcPct val="90000"/>
+              </a:lnSpc>
+              <a:spcBef>
+                <a:spcPct val="0"/>
+              </a:spcBef>
+              <a:buNone/>
+              <a:defRPr sz="6000" kern="1200">
+                <a:solidFill>
+                  <a:schemeClr val="tx1"/>
+                </a:solidFill>
+                <a:latin typeface="+mj-lt"/>
+                <a:ea typeface="+mj-ea"/>
+                <a:cs typeface="+mj-cs"/>
+              </a:defRPr>
+            </a:lvl1pPr>
+          </a:lstStyle>
+          <a:p>
+            <a:pPr algn="l"/>
+            <a:r>
+              <a:rPr lang="en-GB" sz="2800" b="1" dirty="0">
+                <a:solidFill>
+                  <a:schemeClr val="bg1"/>
+                </a:solidFill>
+              </a:rPr>
+              <a:t>DSC = 0.389</a:t>
+            </a:r>
+          </a:p>
+        </p:txBody>
+      </p:sp>
+      <p:sp>
+        <p:nvSpPr>
+          <p:cNvPr id="9" name="Title 1"/>
+          <p:cNvSpPr txBox="1">
+            <a:spLocks/>
+          </p:cNvSpPr>
+          <p:nvPr/>
+        </p:nvSpPr>
+        <p:spPr>
+          <a:xfrm>
+            <a:off x="2326412" y="5332651"/>
+            <a:ext cx="1301357" cy="401754"/>
+          </a:xfrm>
+          <a:prstGeom prst="rect">
+            <a:avLst/>
+          </a:prstGeom>
+        </p:spPr>
+        <p:txBody>
+          <a:bodyPr vert="horz" lIns="91440" tIns="45720" rIns="91440" bIns="45720" rtlCol="0" anchor="b">
+            <a:noAutofit/>
+          </a:bodyPr>
+          <a:lstStyle>
+            <a:lvl1pPr algn="ctr" defTabSz="914400" rtl="0" eaLnBrk="1" latinLnBrk="0" hangingPunct="1">
+              <a:lnSpc>
+                <a:spcPct val="90000"/>
+              </a:lnSpc>
+              <a:spcBef>
+                <a:spcPct val="0"/>
+              </a:spcBef>
+              <a:buNone/>
+              <a:defRPr sz="6000" kern="1200">
+                <a:solidFill>
+                  <a:schemeClr val="tx1"/>
+                </a:solidFill>
+                <a:latin typeface="+mj-lt"/>
+                <a:ea typeface="+mj-ea"/>
+                <a:cs typeface="+mj-cs"/>
+              </a:defRPr>
+            </a:lvl1pPr>
+          </a:lstStyle>
+          <a:p>
+            <a:pPr algn="l"/>
+            <a:r>
+              <a:rPr lang="en-GB" sz="2000" b="1" dirty="0">
+                <a:solidFill>
+                  <a:schemeClr val="bg1"/>
+                </a:solidFill>
+              </a:rPr>
+              <a:t>Slice 125</a:t>
+            </a:r>
+          </a:p>
+        </p:txBody>
+      </p:sp>
+      <p:sp>
+        <p:nvSpPr>
+          <p:cNvPr id="10" name="Title 1"/>
+          <p:cNvSpPr txBox="1">
+            <a:spLocks/>
+          </p:cNvSpPr>
+          <p:nvPr/>
+        </p:nvSpPr>
+        <p:spPr>
+          <a:xfrm>
+            <a:off x="5335254" y="5332651"/>
+            <a:ext cx="1301357" cy="401754"/>
+          </a:xfrm>
+          <a:prstGeom prst="rect">
+            <a:avLst/>
+          </a:prstGeom>
+        </p:spPr>
+        <p:txBody>
+          <a:bodyPr vert="horz" lIns="91440" tIns="45720" rIns="91440" bIns="45720" rtlCol="0" anchor="b">
+            <a:noAutofit/>
+          </a:bodyPr>
+          <a:lstStyle>
+            <a:lvl1pPr algn="ctr" defTabSz="914400" rtl="0" eaLnBrk="1" latinLnBrk="0" hangingPunct="1">
+              <a:lnSpc>
+                <a:spcPct val="90000"/>
+              </a:lnSpc>
+              <a:spcBef>
+                <a:spcPct val="0"/>
+              </a:spcBef>
+              <a:buNone/>
+              <a:defRPr sz="6000" kern="1200">
+                <a:solidFill>
+                  <a:schemeClr val="tx1"/>
+                </a:solidFill>
+                <a:latin typeface="+mj-lt"/>
+                <a:ea typeface="+mj-ea"/>
+                <a:cs typeface="+mj-cs"/>
+              </a:defRPr>
+            </a:lvl1pPr>
+          </a:lstStyle>
+          <a:p>
+            <a:pPr algn="l"/>
+            <a:r>
+              <a:rPr lang="en-GB" sz="2000" b="1" dirty="0">
+                <a:solidFill>
+                  <a:schemeClr val="bg1"/>
+                </a:solidFill>
+              </a:rPr>
+              <a:t>Slice 150</a:t>
+            </a:r>
+          </a:p>
+        </p:txBody>
+      </p:sp>
+    </p:spTree>
+    <p:extLst>
+      <p:ext uri="{BB962C8B-B14F-4D97-AF65-F5344CB8AC3E}">
+        <p14:creationId xmlns:p14="http://schemas.microsoft.com/office/powerpoint/2010/main" val="131999826"/>
+      </p:ext>
+    </p:extLst>
+  </p:cSld>
+  <p:clrMapOvr>
+    <a:masterClrMapping/>
+  </p:clrMapOvr>
+</p:sld>
+</file>
+
+<file path=ppt/slides/slide6.xml><?xml version="1.0" encoding="utf-8"?>
+<p:sld xmlns:a="http://schemas.openxmlformats.org/drawingml/2006/main" xmlns:r="http://schemas.openxmlformats.org/officeDocument/2006/relationships" xmlns:p="http://schemas.openxmlformats.org/presentationml/2006/main">
+  <p:cSld>
+    <p:bg>
+      <p:bgPr>
+        <a:solidFill>
+          <a:schemeClr val="tx2"/>
+        </a:solidFill>
+        <a:effectLst/>
+      </p:bgPr>
+    </p:bg>
+    <p:spTree>
+      <p:nvGrpSpPr>
+        <p:cNvPr id="1" name=""/>
+        <p:cNvGrpSpPr/>
+        <p:nvPr/>
+      </p:nvGrpSpPr>
+      <p:grpSpPr>
+        <a:xfrm>
+          <a:off x="0" y="0"/>
+          <a:ext cx="0" cy="0"/>
+          <a:chOff x="0" y="0"/>
+          <a:chExt cx="0" cy="0"/>
+        </a:xfrm>
+      </p:grpSpPr>
+      <p:sp>
+        <p:nvSpPr>
+          <p:cNvPr id="2" name="Title 1"/>
+          <p:cNvSpPr>
+            <a:spLocks noGrp="1"/>
+          </p:cNvSpPr>
+          <p:nvPr>
+            <p:ph type="ctrTitle"/>
+          </p:nvPr>
+        </p:nvSpPr>
+        <p:spPr>
+          <a:xfrm>
+            <a:off x="685800" y="412694"/>
+            <a:ext cx="7772400" cy="647363"/>
+          </a:xfrm>
+        </p:spPr>
+        <p:txBody>
+          <a:bodyPr>
+            <a:normAutofit fontScale="90000"/>
+          </a:bodyPr>
+          <a:lstStyle/>
+          <a:p>
+            <a:pPr algn="l"/>
+            <a:r>
+              <a:rPr lang="en-GB" sz="6600" b="1" dirty="0">
+                <a:solidFill>
+                  <a:schemeClr val="bg1"/>
+                </a:solidFill>
+              </a:rPr>
+              <a:t>Level Sets</a:t>
+            </a:r>
+          </a:p>
+        </p:txBody>
+      </p:sp>
+      <p:cxnSp>
+        <p:nvCxnSpPr>
+          <p:cNvPr id="5" name="Straight Connector 4"/>
+          <p:cNvCxnSpPr/>
+          <p:nvPr/>
+        </p:nvCxnSpPr>
+        <p:spPr>
+          <a:xfrm>
+            <a:off x="808192" y="1035774"/>
+            <a:ext cx="7527616" cy="0"/>
+          </a:xfrm>
+          <a:prstGeom prst="line">
+            <a:avLst/>
+          </a:prstGeom>
+          <a:ln w="57150"/>
+        </p:spPr>
+        <p:style>
+          <a:lnRef idx="1">
+            <a:schemeClr val="accent1"/>
+          </a:lnRef>
+          <a:fillRef idx="0">
+            <a:schemeClr val="accent1"/>
+          </a:fillRef>
+          <a:effectRef idx="0">
+            <a:schemeClr val="accent1"/>
+          </a:effectRef>
+          <a:fontRef idx="minor">
+            <a:schemeClr val="tx1"/>
+          </a:fontRef>
+        </p:style>
+      </p:cxnSp>
+      <p:sp>
+        <p:nvSpPr>
           <p:cNvPr id="6" name="Title 1"/>
           <p:cNvSpPr txBox="1">
             <a:spLocks/>
@@ -4332,7 +4709,7 @@
 </p:sld>
 </file>
 
-<file path=ppt/slides/slide6.xml><?xml version="1.0" encoding="utf-8"?>
+<file path=ppt/slides/slide7.xml><?xml version="1.0" encoding="utf-8"?>
 <p:sld xmlns:a="http://schemas.openxmlformats.org/drawingml/2006/main" xmlns:r="http://schemas.openxmlformats.org/officeDocument/2006/relationships" xmlns:p="http://schemas.openxmlformats.org/presentationml/2006/main">
   <p:cSld>
     <p:bg>
